--- a/ppt/IoT10-Serial.pptx
+++ b/ppt/IoT10-Serial.pptx
@@ -5,10 +5,10 @@
     <p:sldMasterId id="2147483653" r:id="rId1"/>
   </p:sldMasterIdLst>
   <p:notesMasterIdLst>
-    <p:notesMasterId r:id="rId16"/>
+    <p:notesMasterId r:id="rId15"/>
   </p:notesMasterIdLst>
   <p:handoutMasterIdLst>
-    <p:handoutMasterId r:id="rId17"/>
+    <p:handoutMasterId r:id="rId16"/>
   </p:handoutMasterIdLst>
   <p:sldIdLst>
     <p:sldId id="264" r:id="rId2"/>
@@ -24,7 +24,6 @@
     <p:sldId id="277" r:id="rId12"/>
     <p:sldId id="274" r:id="rId13"/>
     <p:sldId id="275" r:id="rId14"/>
-    <p:sldId id="265" r:id="rId15"/>
   </p:sldIdLst>
   <p:sldSz cx="9144000" cy="6858000" type="screen4x3"/>
   <p:notesSz cx="6648450" cy="9782175"/>
@@ -4437,251 +4436,6 @@
     <p:extLst>
       <p:ext uri="{BB962C8B-B14F-4D97-AF65-F5344CB8AC3E}">
         <p14:creationId xmlns:p14="http://schemas.microsoft.com/office/powerpoint/2010/main" val="1236451097"/>
-      </p:ext>
-    </p:extLst>
-  </p:cSld>
-  <p:clrMapOvr>
-    <a:masterClrMapping/>
-  </p:clrMapOvr>
-</p:sld>
-</file>
-
-<file path=ppt/slides/slide14.xml><?xml version="1.0" encoding="utf-8"?>
-<p:sld xmlns:a="http://schemas.openxmlformats.org/drawingml/2006/main" xmlns:r="http://schemas.openxmlformats.org/officeDocument/2006/relationships" xmlns:p="http://schemas.openxmlformats.org/presentationml/2006/main">
-  <p:cSld>
-    <p:spTree>
-      <p:nvGrpSpPr>
-        <p:cNvPr id="1" name=""/>
-        <p:cNvGrpSpPr/>
-        <p:nvPr/>
-      </p:nvGrpSpPr>
-      <p:grpSpPr>
-        <a:xfrm>
-          <a:off x="0" y="0"/>
-          <a:ext cx="0" cy="0"/>
-          <a:chOff x="0" y="0"/>
-          <a:chExt cx="0" cy="0"/>
-        </a:xfrm>
-      </p:grpSpPr>
-      <p:sp>
-        <p:nvSpPr>
-          <p:cNvPr id="2" name="Titre 1"/>
-          <p:cNvSpPr>
-            <a:spLocks noGrp="1"/>
-          </p:cNvSpPr>
-          <p:nvPr>
-            <p:ph type="title"/>
-          </p:nvPr>
-        </p:nvSpPr>
-        <p:spPr/>
-        <p:txBody>
-          <a:bodyPr/>
-          <a:lstStyle/>
-          <a:p>
-            <a:r>
-              <a:rPr lang="fr-FR" dirty="0"/>
-              <a:t>Ethernet</a:t>
-            </a:r>
-          </a:p>
-        </p:txBody>
-      </p:sp>
-      <p:sp>
-        <p:nvSpPr>
-          <p:cNvPr id="3" name="Espace réservé du contenu 2"/>
-          <p:cNvSpPr>
-            <a:spLocks noGrp="1"/>
-          </p:cNvSpPr>
-          <p:nvPr>
-            <p:ph idx="1"/>
-          </p:nvPr>
-        </p:nvSpPr>
-        <p:spPr/>
-        <p:txBody>
-          <a:bodyPr/>
-          <a:lstStyle/>
-          <a:p>
-            <a:r>
-              <a:rPr lang="fr-FR" dirty="0"/>
-              <a:t>La liaison Ethernet ne fonctionne que sous </a:t>
-            </a:r>
-            <a:r>
-              <a:rPr lang="fr-FR" dirty="0" err="1"/>
-              <a:t>Raspberry</a:t>
-            </a:r>
-            <a:r>
-              <a:rPr lang="fr-FR" dirty="0"/>
-              <a:t> Pi &gt;= 1</a:t>
-            </a:r>
-          </a:p>
-          <a:p>
-            <a:r>
-              <a:rPr lang="fr-FR" dirty="0"/>
-              <a:t>Nécessite une infrastructure IP</a:t>
-            </a:r>
-          </a:p>
-          <a:p>
-            <a:pPr lvl="1"/>
-            <a:r>
-              <a:rPr lang="fr-FR" dirty="0"/>
-              <a:t>Routeur</a:t>
-            </a:r>
-          </a:p>
-          <a:p>
-            <a:r>
-              <a:rPr lang="fr-FR" dirty="0"/>
-              <a:t>Communication possible alors via </a:t>
-            </a:r>
-            <a:r>
-              <a:rPr lang="fr-FR" dirty="0" err="1"/>
-              <a:t>Flask</a:t>
-            </a:r>
-            <a:endParaRPr lang="fr-FR" dirty="0"/>
-          </a:p>
-          <a:p>
-            <a:r>
-              <a:rPr lang="fr-FR" dirty="0"/>
-              <a:t>Sous </a:t>
-            </a:r>
-            <a:r>
-              <a:rPr lang="fr-FR" dirty="0" err="1"/>
-              <a:t>Arduino</a:t>
-            </a:r>
-            <a:r>
-              <a:rPr lang="fr-FR" dirty="0"/>
-              <a:t> un </a:t>
-            </a:r>
-            <a:r>
-              <a:rPr lang="fr-FR" dirty="0" err="1"/>
-              <a:t>Shield</a:t>
-            </a:r>
-            <a:r>
-              <a:rPr lang="fr-FR" dirty="0"/>
-              <a:t> est nécessaire ainsi que la librairie Ethernet</a:t>
-            </a:r>
-          </a:p>
-          <a:p>
-            <a:pPr lvl="1"/>
-            <a:r>
-              <a:rPr lang="fr-FR" dirty="0"/>
-              <a:t>Assez complexe</a:t>
-            </a:r>
-          </a:p>
-          <a:p>
-            <a:endParaRPr lang="fr-FR" dirty="0"/>
-          </a:p>
-          <a:p>
-            <a:endParaRPr lang="fr-FR" dirty="0"/>
-          </a:p>
-        </p:txBody>
-      </p:sp>
-      <p:sp>
-        <p:nvSpPr>
-          <p:cNvPr id="4" name="Rectangle 2"/>
-          <p:cNvSpPr>
-            <a:spLocks noChangeArrowheads="1"/>
-          </p:cNvSpPr>
-          <p:nvPr/>
-        </p:nvSpPr>
-        <p:spPr bwMode="auto">
-          <a:xfrm>
-            <a:off x="0" y="0"/>
-            <a:ext cx="9144000" cy="0"/>
-          </a:xfrm>
-          <a:prstGeom prst="rect">
-            <a:avLst/>
-          </a:prstGeom>
-          <a:noFill/>
-          <a:ln>
-            <a:noFill/>
-          </a:ln>
-          <a:effectLst/>
-          <a:extLst>
-            <a:ext uri="{909E8E84-426E-40DD-AFC4-6F175D3DCCD1}">
-              <a14:hiddenFill xmlns:a14="http://schemas.microsoft.com/office/drawing/2010/main">
-                <a:solidFill>
-                  <a:schemeClr val="accent1"/>
-                </a:solidFill>
-              </a14:hiddenFill>
-            </a:ext>
-            <a:ext uri="{91240B29-F687-4F45-9708-019B960494DF}">
-              <a14:hiddenLine xmlns:a14="http://schemas.microsoft.com/office/drawing/2010/main" w="9525">
-                <a:solidFill>
-                  <a:schemeClr val="tx1"/>
-                </a:solidFill>
-                <a:miter lim="800000"/>
-                <a:headEnd/>
-                <a:tailEnd/>
-              </a14:hiddenLine>
-            </a:ext>
-            <a:ext uri="{AF507438-7753-43E0-B8FC-AC1667EBCBE1}">
-              <a14:hiddenEffects xmlns:a14="http://schemas.microsoft.com/office/drawing/2010/main">
-                <a:effectLst>
-                  <a:outerShdw dist="35921" dir="2700000" algn="ctr" rotWithShape="0">
-                    <a:schemeClr val="bg2"/>
-                  </a:outerShdw>
-                </a:effectLst>
-              </a14:hiddenEffects>
-            </a:ext>
-          </a:extLst>
-        </p:spPr>
-        <p:txBody>
-          <a:bodyPr vert="horz" wrap="none" lIns="91440" tIns="45720" rIns="91440" bIns="45720" numCol="1" anchor="ctr" anchorCtr="0" compatLnSpc="1">
-            <a:prstTxWarp prst="textNoShape">
-              <a:avLst/>
-            </a:prstTxWarp>
-            <a:spAutoFit/>
-          </a:bodyPr>
-          <a:lstStyle/>
-          <a:p>
-            <a:endParaRPr lang="fr-FR"/>
-          </a:p>
-        </p:txBody>
-      </p:sp>
-      <p:pic>
-        <p:nvPicPr>
-          <p:cNvPr id="1041" name="Picture 17" descr="Résultat de recherche d'images pour &quot;arduino ethernet&quot;"/>
-          <p:cNvPicPr>
-            <a:picLocks noChangeAspect="1" noChangeArrowheads="1"/>
-          </p:cNvPicPr>
-          <p:nvPr/>
-        </p:nvPicPr>
-        <p:blipFill>
-          <a:blip r:embed="rId2">
-            <a:extLst>
-              <a:ext uri="{28A0092B-C50C-407E-A947-70E740481C1C}">
-                <a14:useLocalDpi xmlns:a14="http://schemas.microsoft.com/office/drawing/2010/main" val="0"/>
-              </a:ext>
-            </a:extLst>
-          </a:blip>
-          <a:srcRect/>
-          <a:stretch>
-            <a:fillRect/>
-          </a:stretch>
-        </p:blipFill>
-        <p:spPr bwMode="auto">
-          <a:xfrm>
-            <a:off x="6386742" y="4365104"/>
-            <a:ext cx="2760241" cy="2760241"/>
-          </a:xfrm>
-          <a:prstGeom prst="rect">
-            <a:avLst/>
-          </a:prstGeom>
-          <a:noFill/>
-          <a:extLst>
-            <a:ext uri="{909E8E84-426E-40DD-AFC4-6F175D3DCCD1}">
-              <a14:hiddenFill xmlns:a14="http://schemas.microsoft.com/office/drawing/2010/main">
-                <a:solidFill>
-                  <a:srgbClr val="FFFFFF"/>
-                </a:solidFill>
-              </a14:hiddenFill>
-            </a:ext>
-          </a:extLst>
-        </p:spPr>
-      </p:pic>
-    </p:spTree>
-    <p:extLst>
-      <p:ext uri="{BB962C8B-B14F-4D97-AF65-F5344CB8AC3E}">
-        <p14:creationId xmlns:p14="http://schemas.microsoft.com/office/powerpoint/2010/main" val="3953937335"/>
       </p:ext>
     </p:extLst>
   </p:cSld>
